--- a/alg2-ex-propostos-3/ex-proposto-1/exercicio1.pptx
+++ b/alg2-ex-propostos-3/ex-proposto-1/exercicio1.pptx
@@ -5,36 +5,37 @@
     <p:sldMasterId id="2147483672" r:id="rId1"/>
   </p:sldMasterIdLst>
   <p:notesMasterIdLst>
-    <p:notesMasterId r:id="rId7"/>
+    <p:notesMasterId r:id="rId8"/>
   </p:notesMasterIdLst>
   <p:sldIdLst>
     <p:sldId id="256" r:id="rId2"/>
     <p:sldId id="268" r:id="rId3"/>
     <p:sldId id="266" r:id="rId4"/>
     <p:sldId id="267" r:id="rId5"/>
-    <p:sldId id="269" r:id="rId6"/>
+    <p:sldId id="279" r:id="rId6"/>
+    <p:sldId id="269" r:id="rId7"/>
   </p:sldIdLst>
   <p:sldSz cx="9144000" cy="5143500" type="screen16x9"/>
   <p:notesSz cx="6858000" cy="9144000"/>
   <p:embeddedFontLst>
     <p:embeddedFont>
       <p:font typeface="Consolas" panose="020B0609020204030204" pitchFamily="49" charset="0"/>
-      <p:regular r:id="rId8"/>
-      <p:bold r:id="rId9"/>
-      <p:italic r:id="rId10"/>
-      <p:boldItalic r:id="rId11"/>
+      <p:regular r:id="rId9"/>
+      <p:bold r:id="rId10"/>
+      <p:italic r:id="rId11"/>
+      <p:boldItalic r:id="rId12"/>
     </p:embeddedFont>
     <p:embeddedFont>
       <p:font typeface="Fira Code" panose="020B0809050000020004" pitchFamily="49" charset="0"/>
-      <p:regular r:id="rId12"/>
-      <p:bold r:id="rId13"/>
+      <p:regular r:id="rId13"/>
+      <p:bold r:id="rId14"/>
     </p:embeddedFont>
     <p:embeddedFont>
       <p:font typeface="Montserrat" panose="00000500000000000000" pitchFamily="2" charset="0"/>
-      <p:regular r:id="rId14"/>
-      <p:bold r:id="rId15"/>
-      <p:italic r:id="rId16"/>
-      <p:boldItalic r:id="rId17"/>
+      <p:regular r:id="rId15"/>
+      <p:bold r:id="rId16"/>
+      <p:italic r:id="rId17"/>
+      <p:boldItalic r:id="rId18"/>
     </p:embeddedFont>
   </p:embeddedFontLst>
   <p:defaultTextStyle>
@@ -1375,6 +1376,115 @@
 </file>
 
 <file path=ppt/notesSlides/notesSlide5.xml><?xml version="1.0" encoding="utf-8"?>
+<p:notes xmlns:a="http://schemas.openxmlformats.org/drawingml/2006/main" xmlns:r="http://schemas.openxmlformats.org/officeDocument/2006/relationships" xmlns:p="http://schemas.openxmlformats.org/presentationml/2006/main" showMasterSp="0" showMasterPhAnim="0">
+  <p:cSld>
+    <p:spTree>
+      <p:nvGrpSpPr>
+        <p:cNvPr id="1" name="Shape 454"/>
+        <p:cNvGrpSpPr/>
+        <p:nvPr/>
+      </p:nvGrpSpPr>
+      <p:grpSpPr>
+        <a:xfrm>
+          <a:off x="0" y="0"/>
+          <a:ext cx="0" cy="0"/>
+          <a:chOff x="0" y="0"/>
+          <a:chExt cx="0" cy="0"/>
+        </a:xfrm>
+      </p:grpSpPr>
+      <p:sp>
+        <p:nvSpPr>
+          <p:cNvPr id="455" name="Google Shape;455;ge7b5133482_0_0:notes"/>
+          <p:cNvSpPr>
+            <a:spLocks noGrp="1" noRot="1" noChangeAspect="1"/>
+          </p:cNvSpPr>
+          <p:nvPr>
+            <p:ph type="sldImg" idx="2"/>
+          </p:nvPr>
+        </p:nvSpPr>
+        <p:spPr>
+          <a:xfrm>
+            <a:off x="381000" y="685800"/>
+            <a:ext cx="6096000" cy="3429000"/>
+          </a:xfrm>
+          <a:custGeom>
+            <a:avLst/>
+            <a:gdLst/>
+            <a:ahLst/>
+            <a:cxnLst/>
+            <a:rect l="l" t="t" r="r" b="b"/>
+            <a:pathLst>
+              <a:path w="120000" h="120000" extrusionOk="0">
+                <a:moveTo>
+                  <a:pt x="0" y="0"/>
+                </a:moveTo>
+                <a:lnTo>
+                  <a:pt x="120000" y="0"/>
+                </a:lnTo>
+                <a:lnTo>
+                  <a:pt x="120000" y="120000"/>
+                </a:lnTo>
+                <a:lnTo>
+                  <a:pt x="0" y="120000"/>
+                </a:lnTo>
+                <a:close/>
+              </a:path>
+            </a:pathLst>
+          </a:custGeom>
+        </p:spPr>
+      </p:sp>
+      <p:sp>
+        <p:nvSpPr>
+          <p:cNvPr id="456" name="Google Shape;456;ge7b5133482_0_0:notes"/>
+          <p:cNvSpPr txBox="1">
+            <a:spLocks noGrp="1"/>
+          </p:cNvSpPr>
+          <p:nvPr>
+            <p:ph type="body" idx="1"/>
+          </p:nvPr>
+        </p:nvSpPr>
+        <p:spPr>
+          <a:xfrm>
+            <a:off x="685800" y="4343400"/>
+            <a:ext cx="5486400" cy="4114800"/>
+          </a:xfrm>
+          <a:prstGeom prst="rect">
+            <a:avLst/>
+          </a:prstGeom>
+        </p:spPr>
+        <p:txBody>
+          <a:bodyPr spcFirstLastPara="1" wrap="square" lIns="91425" tIns="91425" rIns="91425" bIns="91425" anchor="t" anchorCtr="0">
+            <a:noAutofit/>
+          </a:bodyPr>
+          <a:lstStyle/>
+          <a:p>
+            <a:pPr marL="0" lvl="0" indent="0" algn="l" rtl="0">
+              <a:spcBef>
+                <a:spcPts val="0"/>
+              </a:spcBef>
+              <a:spcAft>
+                <a:spcPts val="0"/>
+              </a:spcAft>
+              <a:buNone/>
+            </a:pPr>
+            <a:endParaRPr/>
+          </a:p>
+        </p:txBody>
+      </p:sp>
+    </p:spTree>
+    <p:extLst>
+      <p:ext uri="{BB962C8B-B14F-4D97-AF65-F5344CB8AC3E}">
+        <p14:creationId xmlns:p14="http://schemas.microsoft.com/office/powerpoint/2010/main" val="4111691343"/>
+      </p:ext>
+    </p:extLst>
+  </p:cSld>
+  <p:clrMapOvr>
+    <a:masterClrMapping/>
+  </p:clrMapOvr>
+</p:notes>
+</file>
+
+<file path=ppt/notesSlides/notesSlide6.xml><?xml version="1.0" encoding="utf-8"?>
 <p:notes xmlns:a="http://schemas.openxmlformats.org/drawingml/2006/main" xmlns:r="http://schemas.openxmlformats.org/officeDocument/2006/relationships" xmlns:p="http://schemas.openxmlformats.org/presentationml/2006/main" showMasterSp="0" showMasterPhAnim="0">
   <p:cSld>
     <p:spTree>
@@ -10002,6 +10112,313 @@
   <p:cSld>
     <p:spTree>
       <p:nvGrpSpPr>
+        <p:cNvPr id="1" name="Shape 457"/>
+        <p:cNvGrpSpPr/>
+        <p:nvPr/>
+      </p:nvGrpSpPr>
+      <p:grpSpPr>
+        <a:xfrm>
+          <a:off x="0" y="0"/>
+          <a:ext cx="0" cy="0"/>
+          <a:chOff x="0" y="0"/>
+          <a:chExt cx="0" cy="0"/>
+        </a:xfrm>
+      </p:grpSpPr>
+      <p:sp>
+        <p:nvSpPr>
+          <p:cNvPr id="4" name="CaixaDeTexto 3">
+            <a:extLst>
+              <a:ext uri="{FF2B5EF4-FFF2-40B4-BE49-F238E27FC236}">
+                <a16:creationId xmlns:a16="http://schemas.microsoft.com/office/drawing/2014/main" id="{34A0F638-94AA-48B6-896A-CDBC71473D4F}"/>
+              </a:ext>
+            </a:extLst>
+          </p:cNvPr>
+          <p:cNvSpPr txBox="1"/>
+          <p:nvPr/>
+        </p:nvSpPr>
+        <p:spPr>
+          <a:xfrm>
+            <a:off x="938870" y="656434"/>
+            <a:ext cx="184731" cy="523220"/>
+          </a:xfrm>
+          <a:prstGeom prst="rect">
+            <a:avLst/>
+          </a:prstGeom>
+          <a:noFill/>
+        </p:spPr>
+        <p:txBody>
+          <a:bodyPr wrap="none" rtlCol="0">
+            <a:spAutoFit/>
+          </a:bodyPr>
+          <a:lstStyle/>
+          <a:p>
+            <a:endParaRPr lang="pt-BR" b="0" dirty="0">
+              <a:solidFill>
+                <a:srgbClr val="D4D4D4"/>
+              </a:solidFill>
+              <a:effectLst/>
+              <a:latin typeface="Consolas" panose="020B0609020204030204" pitchFamily="49" charset="0"/>
+            </a:endParaRPr>
+          </a:p>
+          <a:p>
+            <a:endParaRPr lang="pt-BR" dirty="0"/>
+          </a:p>
+        </p:txBody>
+      </p:sp>
+      <p:sp>
+        <p:nvSpPr>
+          <p:cNvPr id="2" name="CaixaDeTexto 1">
+            <a:extLst>
+              <a:ext uri="{FF2B5EF4-FFF2-40B4-BE49-F238E27FC236}">
+                <a16:creationId xmlns:a16="http://schemas.microsoft.com/office/drawing/2014/main" id="{CAEFD701-9080-4222-A018-D02F9F9E629E}"/>
+              </a:ext>
+            </a:extLst>
+          </p:cNvPr>
+          <p:cNvSpPr txBox="1"/>
+          <p:nvPr/>
+        </p:nvSpPr>
+        <p:spPr>
+          <a:xfrm>
+            <a:off x="1031235" y="997025"/>
+            <a:ext cx="4502996" cy="3323987"/>
+          </a:xfrm>
+          <a:prstGeom prst="rect">
+            <a:avLst/>
+          </a:prstGeom>
+          <a:noFill/>
+        </p:spPr>
+        <p:txBody>
+          <a:bodyPr wrap="square" rtlCol="0">
+            <a:spAutoFit/>
+          </a:bodyPr>
+          <a:lstStyle/>
+          <a:p>
+            <a:r>
+              <a:rPr lang="pt-BR" b="0" dirty="0">
+                <a:solidFill>
+                  <a:srgbClr val="D4D4D4"/>
+                </a:solidFill>
+                <a:effectLst/>
+                <a:latin typeface="Consolas" panose="020B0609020204030204" pitchFamily="49" charset="0"/>
+              </a:rPr>
+              <a:t>Digite um número: 15</a:t>
+            </a:r>
+          </a:p>
+          <a:p>
+            <a:r>
+              <a:rPr lang="pt-BR" b="0" dirty="0">
+                <a:solidFill>
+                  <a:srgbClr val="D4D4D4"/>
+                </a:solidFill>
+                <a:effectLst/>
+                <a:latin typeface="Consolas" panose="020B0609020204030204" pitchFamily="49" charset="0"/>
+              </a:rPr>
+              <a:t>Deseja adicionar mais números? (s/n)</a:t>
+            </a:r>
+          </a:p>
+          <a:p>
+            <a:r>
+              <a:rPr lang="pt-BR" b="0" dirty="0">
+                <a:solidFill>
+                  <a:srgbClr val="D4D4D4"/>
+                </a:solidFill>
+                <a:effectLst/>
+                <a:latin typeface="Consolas" panose="020B0609020204030204" pitchFamily="49" charset="0"/>
+              </a:rPr>
+              <a:t>s</a:t>
+            </a:r>
+          </a:p>
+          <a:p>
+            <a:endParaRPr lang="pt-BR" b="0" dirty="0">
+              <a:solidFill>
+                <a:srgbClr val="D4D4D4"/>
+              </a:solidFill>
+              <a:effectLst/>
+              <a:latin typeface="Consolas" panose="020B0609020204030204" pitchFamily="49" charset="0"/>
+            </a:endParaRPr>
+          </a:p>
+          <a:p>
+            <a:r>
+              <a:rPr lang="pt-BR" b="0" dirty="0">
+                <a:solidFill>
+                  <a:srgbClr val="D4D4D4"/>
+                </a:solidFill>
+                <a:effectLst/>
+                <a:latin typeface="Consolas" panose="020B0609020204030204" pitchFamily="49" charset="0"/>
+              </a:rPr>
+              <a:t>Digite um número: 1</a:t>
+            </a:r>
+          </a:p>
+          <a:p>
+            <a:r>
+              <a:rPr lang="pt-BR" b="0" dirty="0">
+                <a:solidFill>
+                  <a:srgbClr val="D4D4D4"/>
+                </a:solidFill>
+                <a:effectLst/>
+                <a:latin typeface="Consolas" panose="020B0609020204030204" pitchFamily="49" charset="0"/>
+              </a:rPr>
+              <a:t>Deseja adicionar mais números? (s/n)</a:t>
+            </a:r>
+          </a:p>
+          <a:p>
+            <a:r>
+              <a:rPr lang="pt-BR" b="0" dirty="0">
+                <a:solidFill>
+                  <a:srgbClr val="D4D4D4"/>
+                </a:solidFill>
+                <a:effectLst/>
+                <a:latin typeface="Consolas" panose="020B0609020204030204" pitchFamily="49" charset="0"/>
+              </a:rPr>
+              <a:t>s</a:t>
+            </a:r>
+          </a:p>
+          <a:p>
+            <a:endParaRPr lang="pt-BR" b="0" dirty="0">
+              <a:solidFill>
+                <a:srgbClr val="D4D4D4"/>
+              </a:solidFill>
+              <a:effectLst/>
+              <a:latin typeface="Consolas" panose="020B0609020204030204" pitchFamily="49" charset="0"/>
+            </a:endParaRPr>
+          </a:p>
+          <a:p>
+            <a:r>
+              <a:rPr lang="pt-BR" b="0" dirty="0">
+                <a:solidFill>
+                  <a:srgbClr val="D4D4D4"/>
+                </a:solidFill>
+                <a:effectLst/>
+                <a:latin typeface="Consolas" panose="020B0609020204030204" pitchFamily="49" charset="0"/>
+              </a:rPr>
+              <a:t>Digite um número: 2</a:t>
+            </a:r>
+          </a:p>
+          <a:p>
+            <a:r>
+              <a:rPr lang="pt-BR" b="0" dirty="0">
+                <a:solidFill>
+                  <a:srgbClr val="D4D4D4"/>
+                </a:solidFill>
+                <a:effectLst/>
+                <a:latin typeface="Consolas" panose="020B0609020204030204" pitchFamily="49" charset="0"/>
+              </a:rPr>
+              <a:t>Deseja adicionar mais números? (s/n)</a:t>
+            </a:r>
+          </a:p>
+          <a:p>
+            <a:r>
+              <a:rPr lang="pt-BR" b="0" dirty="0">
+                <a:solidFill>
+                  <a:srgbClr val="D4D4D4"/>
+                </a:solidFill>
+                <a:effectLst/>
+                <a:latin typeface="Consolas" panose="020B0609020204030204" pitchFamily="49" charset="0"/>
+              </a:rPr>
+              <a:t>n</a:t>
+            </a:r>
+          </a:p>
+          <a:p>
+            <a:endParaRPr lang="pt-BR" b="0" dirty="0">
+              <a:solidFill>
+                <a:srgbClr val="D4D4D4"/>
+              </a:solidFill>
+              <a:effectLst/>
+              <a:latin typeface="Consolas" panose="020B0609020204030204" pitchFamily="49" charset="0"/>
+            </a:endParaRPr>
+          </a:p>
+          <a:p>
+            <a:endParaRPr lang="pt-BR" b="0" dirty="0">
+              <a:solidFill>
+                <a:srgbClr val="D4D4D4"/>
+              </a:solidFill>
+              <a:effectLst/>
+              <a:latin typeface="Consolas" panose="020B0609020204030204" pitchFamily="49" charset="0"/>
+            </a:endParaRPr>
+          </a:p>
+          <a:p>
+            <a:r>
+              <a:rPr lang="pt-BR" b="0" dirty="0">
+                <a:solidFill>
+                  <a:srgbClr val="D4D4D4"/>
+                </a:solidFill>
+                <a:effectLst/>
+                <a:latin typeface="Consolas" panose="020B0609020204030204" pitchFamily="49" charset="0"/>
+              </a:rPr>
+              <a:t>Maior valor: 15</a:t>
+            </a:r>
+          </a:p>
+          <a:p>
+            <a:r>
+              <a:rPr lang="pt-BR" b="0" dirty="0">
+                <a:solidFill>
+                  <a:srgbClr val="D4D4D4"/>
+                </a:solidFill>
+                <a:effectLst/>
+                <a:latin typeface="Consolas" panose="020B0609020204030204" pitchFamily="49" charset="0"/>
+              </a:rPr>
+              <a:t>Menor valor: 1</a:t>
+            </a:r>
+          </a:p>
+        </p:txBody>
+      </p:sp>
+      <p:sp>
+        <p:nvSpPr>
+          <p:cNvPr id="3" name="CaixaDeTexto 2">
+            <a:extLst>
+              <a:ext uri="{FF2B5EF4-FFF2-40B4-BE49-F238E27FC236}">
+                <a16:creationId xmlns:a16="http://schemas.microsoft.com/office/drawing/2014/main" id="{9C90CCFE-CCEA-431C-9279-E8128500412D}"/>
+              </a:ext>
+            </a:extLst>
+          </p:cNvPr>
+          <p:cNvSpPr txBox="1"/>
+          <p:nvPr/>
+        </p:nvSpPr>
+        <p:spPr>
+          <a:xfrm>
+            <a:off x="990896" y="354973"/>
+            <a:ext cx="2323072" cy="461665"/>
+          </a:xfrm>
+          <a:prstGeom prst="rect">
+            <a:avLst/>
+          </a:prstGeom>
+          <a:noFill/>
+        </p:spPr>
+        <p:txBody>
+          <a:bodyPr wrap="none" rtlCol="0">
+            <a:spAutoFit/>
+          </a:bodyPr>
+          <a:lstStyle/>
+          <a:p>
+            <a:r>
+              <a:rPr lang="pt-BR" sz="2400" dirty="0">
+                <a:solidFill>
+                  <a:schemeClr val="accent6"/>
+                </a:solidFill>
+              </a:rPr>
+              <a:t>EXECUTANDO</a:t>
+            </a:r>
+          </a:p>
+        </p:txBody>
+      </p:sp>
+    </p:spTree>
+    <p:extLst>
+      <p:ext uri="{BB962C8B-B14F-4D97-AF65-F5344CB8AC3E}">
+        <p14:creationId xmlns:p14="http://schemas.microsoft.com/office/powerpoint/2010/main" val="2205283460"/>
+      </p:ext>
+    </p:extLst>
+  </p:cSld>
+  <p:clrMapOvr>
+    <a:masterClrMapping/>
+  </p:clrMapOvr>
+</p:sld>
+</file>
+
+<file path=ppt/slides/slide6.xml><?xml version="1.0" encoding="utf-8"?>
+<p:sld xmlns:a="http://schemas.openxmlformats.org/drawingml/2006/main" xmlns:r="http://schemas.openxmlformats.org/officeDocument/2006/relationships" xmlns:p="http://schemas.openxmlformats.org/presentationml/2006/main">
+  <p:cSld>
+    <p:spTree>
+      <p:nvGrpSpPr>
         <p:cNvPr id="1" name="Shape 781"/>
         <p:cNvGrpSpPr/>
         <p:nvPr/>
